--- a/imagePro.pptx
+++ b/imagePro.pptx
@@ -15,6 +15,7 @@
     <p:sldId id="266" r:id="rId9"/>
     <p:sldId id="267" r:id="rId10"/>
     <p:sldId id="269" r:id="rId11"/>
+    <p:sldId id="271" r:id="rId12"/>
   </p:sldIdLst>
   <p:sldSz cx="9144000" cy="6858000" type="screen4x3"/>
   <p:notesSz cx="6858000" cy="9144000"/>
@@ -298,7 +299,7 @@
             <a:fld id="{21C455E8-4EEC-4903-BD5A-C6C53A34F651}" type="datetimeFigureOut">
               <a:rPr lang="en-US" smtClean="0"/>
               <a:pPr/>
-              <a:t>11/23/2017</a:t>
+              <a:t>11/24/2017</a:t>
             </a:fld>
             <a:endParaRPr lang="en-IE"/>
           </a:p>
@@ -465,7 +466,7 @@
             <a:fld id="{21C455E8-4EEC-4903-BD5A-C6C53A34F651}" type="datetimeFigureOut">
               <a:rPr lang="en-US" smtClean="0"/>
               <a:pPr/>
-              <a:t>11/23/2017</a:t>
+              <a:t>11/24/2017</a:t>
             </a:fld>
             <a:endParaRPr lang="en-IE"/>
           </a:p>
@@ -642,7 +643,7 @@
             <a:fld id="{21C455E8-4EEC-4903-BD5A-C6C53A34F651}" type="datetimeFigureOut">
               <a:rPr lang="en-US" smtClean="0"/>
               <a:pPr/>
-              <a:t>11/23/2017</a:t>
+              <a:t>11/24/2017</a:t>
             </a:fld>
             <a:endParaRPr lang="en-IE"/>
           </a:p>
@@ -809,7 +810,7 @@
             <a:fld id="{21C455E8-4EEC-4903-BD5A-C6C53A34F651}" type="datetimeFigureOut">
               <a:rPr lang="en-US" smtClean="0"/>
               <a:pPr/>
-              <a:t>11/23/2017</a:t>
+              <a:t>11/24/2017</a:t>
             </a:fld>
             <a:endParaRPr lang="en-IE"/>
           </a:p>
@@ -1052,7 +1053,7 @@
             <a:fld id="{21C455E8-4EEC-4903-BD5A-C6C53A34F651}" type="datetimeFigureOut">
               <a:rPr lang="en-US" smtClean="0"/>
               <a:pPr/>
-              <a:t>11/23/2017</a:t>
+              <a:t>11/24/2017</a:t>
             </a:fld>
             <a:endParaRPr lang="en-IE"/>
           </a:p>
@@ -1337,7 +1338,7 @@
             <a:fld id="{21C455E8-4EEC-4903-BD5A-C6C53A34F651}" type="datetimeFigureOut">
               <a:rPr lang="en-US" smtClean="0"/>
               <a:pPr/>
-              <a:t>11/23/2017</a:t>
+              <a:t>11/24/2017</a:t>
             </a:fld>
             <a:endParaRPr lang="en-IE"/>
           </a:p>
@@ -1756,7 +1757,7 @@
             <a:fld id="{21C455E8-4EEC-4903-BD5A-C6C53A34F651}" type="datetimeFigureOut">
               <a:rPr lang="en-US" smtClean="0"/>
               <a:pPr/>
-              <a:t>11/23/2017</a:t>
+              <a:t>11/24/2017</a:t>
             </a:fld>
             <a:endParaRPr lang="en-IE"/>
           </a:p>
@@ -1871,7 +1872,7 @@
             <a:fld id="{21C455E8-4EEC-4903-BD5A-C6C53A34F651}" type="datetimeFigureOut">
               <a:rPr lang="en-US" smtClean="0"/>
               <a:pPr/>
-              <a:t>11/23/2017</a:t>
+              <a:t>11/24/2017</a:t>
             </a:fld>
             <a:endParaRPr lang="en-IE"/>
           </a:p>
@@ -1963,7 +1964,7 @@
             <a:fld id="{21C455E8-4EEC-4903-BD5A-C6C53A34F651}" type="datetimeFigureOut">
               <a:rPr lang="en-US" smtClean="0"/>
               <a:pPr/>
-              <a:t>11/23/2017</a:t>
+              <a:t>11/24/2017</a:t>
             </a:fld>
             <a:endParaRPr lang="en-IE"/>
           </a:p>
@@ -2237,7 +2238,7 @@
             <a:fld id="{21C455E8-4EEC-4903-BD5A-C6C53A34F651}" type="datetimeFigureOut">
               <a:rPr lang="en-US" smtClean="0"/>
               <a:pPr/>
-              <a:t>11/23/2017</a:t>
+              <a:t>11/24/2017</a:t>
             </a:fld>
             <a:endParaRPr lang="en-IE"/>
           </a:p>
@@ -2487,7 +2488,7 @@
             <a:fld id="{21C455E8-4EEC-4903-BD5A-C6C53A34F651}" type="datetimeFigureOut">
               <a:rPr lang="en-US" smtClean="0"/>
               <a:pPr/>
-              <a:t>11/23/2017</a:t>
+              <a:t>11/24/2017</a:t>
             </a:fld>
             <a:endParaRPr lang="en-IE"/>
           </a:p>
@@ -2697,7 +2698,7 @@
             <a:fld id="{21C455E8-4EEC-4903-BD5A-C6C53A34F651}" type="datetimeFigureOut">
               <a:rPr lang="en-US" smtClean="0"/>
               <a:pPr/>
-              <a:t>11/23/2017</a:t>
+              <a:t>11/24/2017</a:t>
             </a:fld>
             <a:endParaRPr lang="en-IE"/>
           </a:p>
@@ -3116,7 +3117,7 @@
           <p:nvPr/>
         </p:nvPicPr>
         <p:blipFill>
-          <a:blip r:embed="rId2"/>
+          <a:blip r:embed="rId2" cstate="print"/>
           <a:stretch>
             <a:fillRect/>
           </a:stretch>
@@ -3202,8 +3203,27 @@
                   </a:schemeClr>
                 </a:solidFill>
               </a:rPr>
-              <a:t> Mc Cahill</a:t>
-            </a:r>
+              <a:t> </a:t>
+            </a:r>
+            <a:r>
+              <a:rPr lang="en-IE" sz="2000" dirty="0" err="1" smtClean="0">
+                <a:solidFill>
+                  <a:schemeClr val="tx1">
+                    <a:lumMod val="50000"/>
+                    <a:lumOff val="50000"/>
+                  </a:schemeClr>
+                </a:solidFill>
+              </a:rPr>
+              <a:t>McCahill</a:t>
+            </a:r>
+            <a:endParaRPr lang="en-IE" sz="2000" dirty="0" smtClean="0">
+              <a:solidFill>
+                <a:schemeClr val="tx1">
+                  <a:lumMod val="50000"/>
+                  <a:lumOff val="50000"/>
+                </a:schemeClr>
+              </a:solidFill>
+            </a:endParaRPr>
           </a:p>
           <a:p>
             <a:pPr algn="ctr"/>
@@ -3298,14 +3318,14 @@
           </p:nvPr>
         </p:nvPicPr>
         <p:blipFill>
-          <a:blip r:embed="rId2"/>
+          <a:blip r:embed="rId2" cstate="print"/>
           <a:stretch>
             <a:fillRect/>
           </a:stretch>
         </p:blipFill>
         <p:spPr>
           <a:xfrm>
-            <a:off x="857224" y="1357298"/>
+            <a:off x="7236296" y="1412776"/>
             <a:ext cx="628650" cy="1181100"/>
           </a:xfrm>
         </p:spPr>
@@ -3318,8 +3338,8 @@
         </p:nvSpPr>
         <p:spPr>
           <a:xfrm>
-            <a:off x="1714480" y="1428736"/>
-            <a:ext cx="3429024" cy="923330"/>
+            <a:off x="395536" y="1412776"/>
+            <a:ext cx="8136904" cy="4247317"/>
           </a:xfrm>
           <a:prstGeom prst="rect">
             <a:avLst/>
@@ -3332,13 +3352,29 @@
           </a:bodyPr>
           <a:lstStyle/>
           <a:p>
+            <a:r>
+              <a:rPr lang="en-IE" sz="2800" b="1" dirty="0" smtClean="0"/>
+              <a:t>The current results of our work.</a:t>
+            </a:r>
+          </a:p>
+          <a:p>
             <a:pPr>
               <a:buFont typeface="Arial" pitchFamily="34" charset="0"/>
               <a:buChar char="•"/>
             </a:pPr>
             <a:r>
-              <a:rPr lang="en-IE" dirty="0" smtClean="0"/>
-              <a:t>The current results of our work.</a:t>
+              <a:rPr lang="en-IE" sz="2800" dirty="0" smtClean="0"/>
+              <a:t>Isolated the Region of interest</a:t>
+            </a:r>
+            <a:r>
+              <a:rPr lang="en-IE" sz="2800" dirty="0" smtClean="0"/>
+              <a:t>.</a:t>
+            </a:r>
+          </a:p>
+          <a:p>
+            <a:r>
+              <a:rPr lang="en-IE" sz="2800" dirty="0" smtClean="0"/>
+              <a:t>Next Steps.</a:t>
             </a:r>
           </a:p>
           <a:p>
@@ -3347,9 +3383,34 @@
               <a:buChar char="•"/>
             </a:pPr>
             <a:r>
-              <a:rPr lang="en-IE" dirty="0" smtClean="0"/>
-              <a:t>Isolated the Region of interest.</a:t>
-            </a:r>
+              <a:rPr lang="en-IE" sz="2800" dirty="0" smtClean="0"/>
+              <a:t>Rotate all sample images to allow OCR to detect the numbers.</a:t>
+            </a:r>
+          </a:p>
+          <a:p>
+            <a:pPr>
+              <a:buFont typeface="Arial" pitchFamily="34" charset="0"/>
+              <a:buChar char="•"/>
+            </a:pPr>
+            <a:r>
+              <a:rPr lang="en-IE" sz="2800" dirty="0" smtClean="0"/>
+              <a:t>Process the colour image and turn it to greyscale.</a:t>
+            </a:r>
+            <a:endParaRPr lang="en-IE" sz="2800" dirty="0" smtClean="0"/>
+          </a:p>
+          <a:p>
+            <a:pPr>
+              <a:buFont typeface="Arial" pitchFamily="34" charset="0"/>
+              <a:buChar char="•"/>
+            </a:pPr>
+            <a:r>
+              <a:rPr lang="en-IE" sz="2800" dirty="0" smtClean="0"/>
+              <a:t>Use the OCR algorithm to detect the numbers and return it as a value to the user.</a:t>
+            </a:r>
+            <a:endParaRPr lang="en-IE" sz="2800" dirty="0" smtClean="0"/>
+          </a:p>
+          <a:p>
+            <a:endParaRPr lang="en-IE" sz="2800" dirty="0" smtClean="0"/>
           </a:p>
           <a:p>
             <a:pPr>
@@ -3357,6 +3418,77 @@
               <a:buChar char="•"/>
             </a:pPr>
             <a:endParaRPr lang="en-US" dirty="0"/>
+          </a:p>
+        </p:txBody>
+      </p:sp>
+    </p:spTree>
+  </p:cSld>
+  <p:clrMapOvr>
+    <a:masterClrMapping/>
+  </p:clrMapOvr>
+</p:sld>
+</file>
+
+<file path=ppt/slides/slide11.xml><?xml version="1.0" encoding="utf-8"?>
+<p:sld xmlns:a="http://schemas.openxmlformats.org/drawingml/2006/main" xmlns:r="http://schemas.openxmlformats.org/officeDocument/2006/relationships" xmlns:p="http://schemas.openxmlformats.org/presentationml/2006/main">
+  <p:cSld>
+    <p:spTree>
+      <p:nvGrpSpPr>
+        <p:cNvPr id="1" name=""/>
+        <p:cNvGrpSpPr/>
+        <p:nvPr/>
+      </p:nvGrpSpPr>
+      <p:grpSpPr>
+        <a:xfrm>
+          <a:off x="0" y="0"/>
+          <a:ext cx="0" cy="0"/>
+          <a:chOff x="0" y="0"/>
+          <a:chExt cx="0" cy="0"/>
+        </a:xfrm>
+      </p:grpSpPr>
+      <p:sp>
+        <p:nvSpPr>
+          <p:cNvPr id="2" name="Title 1"/>
+          <p:cNvSpPr>
+            <a:spLocks noGrp="1"/>
+          </p:cNvSpPr>
+          <p:nvPr>
+            <p:ph type="title"/>
+          </p:nvPr>
+        </p:nvSpPr>
+        <p:spPr/>
+        <p:txBody>
+          <a:bodyPr/>
+          <a:lstStyle/>
+          <a:p>
+            <a:r>
+              <a:rPr lang="en-IE" dirty="0" smtClean="0"/>
+              <a:t>Questions?</a:t>
+            </a:r>
+            <a:endParaRPr lang="en-IE" dirty="0"/>
+          </a:p>
+        </p:txBody>
+      </p:sp>
+      <p:sp>
+        <p:nvSpPr>
+          <p:cNvPr id="3" name="Content Placeholder 2"/>
+          <p:cNvSpPr>
+            <a:spLocks noGrp="1"/>
+          </p:cNvSpPr>
+          <p:nvPr>
+            <p:ph idx="1"/>
+          </p:nvPr>
+        </p:nvSpPr>
+        <p:spPr/>
+        <p:txBody>
+          <a:bodyPr/>
+          <a:lstStyle/>
+          <a:p>
+            <a:r>
+              <a:rPr lang="en-IE" dirty="0" smtClean="0"/>
+              <a:t>No Great.</a:t>
+            </a:r>
+            <a:endParaRPr lang="en-IE" dirty="0"/>
           </a:p>
         </p:txBody>
       </p:sp>
@@ -3499,7 +3631,7 @@
           <p:nvPr/>
         </p:nvPicPr>
         <p:blipFill>
-          <a:blip r:embed="rId2"/>
+          <a:blip r:embed="rId2" cstate="print"/>
           <a:stretch>
             <a:fillRect/>
           </a:stretch>
@@ -3580,7 +3712,7 @@
           </p:nvPr>
         </p:nvPicPr>
         <p:blipFill>
-          <a:blip r:embed="rId2"/>
+          <a:blip r:embed="rId2" cstate="print"/>
           <a:stretch>
             <a:fillRect/>
           </a:stretch>
@@ -3651,7 +3783,7 @@
           </p:nvPr>
         </p:nvPicPr>
         <p:blipFill>
-          <a:blip r:embed="rId2"/>
+          <a:blip r:embed="rId2" cstate="print"/>
           <a:stretch>
             <a:fillRect/>
           </a:stretch>
@@ -3735,23 +3867,45 @@
           <a:p>
             <a:r>
               <a:rPr lang="en-IE" dirty="0" smtClean="0"/>
-              <a:t>Segmentation</a:t>
+              <a:t>Segmentation.</a:t>
             </a:r>
           </a:p>
           <a:p>
             <a:r>
               <a:rPr lang="en-IE" dirty="0" smtClean="0"/>
-              <a:t>Contouring</a:t>
+              <a:t>Colour spaces.</a:t>
             </a:r>
           </a:p>
           <a:p>
             <a:r>
               <a:rPr lang="en-IE" dirty="0" smtClean="0"/>
-              <a:t>OCR Number recognition</a:t>
-            </a:r>
-          </a:p>
-          <a:p>
-            <a:endParaRPr lang="en-US" dirty="0"/>
+              <a:t>Image Rotation.</a:t>
+            </a:r>
+          </a:p>
+          <a:p>
+            <a:r>
+              <a:rPr lang="en-IE" dirty="0" smtClean="0"/>
+              <a:t>Cropping.</a:t>
+            </a:r>
+            <a:endParaRPr lang="en-IE" dirty="0" smtClean="0"/>
+          </a:p>
+          <a:p>
+            <a:r>
+              <a:rPr lang="en-IE" dirty="0" smtClean="0"/>
+              <a:t>Contouring.</a:t>
+            </a:r>
+            <a:endParaRPr lang="en-IE" dirty="0" smtClean="0"/>
+          </a:p>
+          <a:p>
+            <a:r>
+              <a:rPr lang="en-IE" dirty="0" smtClean="0"/>
+              <a:t>OCR Number </a:t>
+            </a:r>
+            <a:r>
+              <a:rPr lang="en-IE" dirty="0" smtClean="0"/>
+              <a:t>recognition.</a:t>
+            </a:r>
+            <a:endParaRPr lang="en-IE" dirty="0" smtClean="0"/>
           </a:p>
         </p:txBody>
       </p:sp>
@@ -3797,15 +3951,7 @@
           <a:p>
             <a:r>
               <a:rPr lang="en-GB" dirty="0" smtClean="0"/>
-              <a:t>Finding </a:t>
-            </a:r>
-            <a:r>
-              <a:rPr lang="en-GB" dirty="0" smtClean="0"/>
-              <a:t>the First </a:t>
-            </a:r>
-            <a:r>
-              <a:rPr lang="en-GB" dirty="0" smtClean="0"/>
-              <a:t>ROI</a:t>
+              <a:t>Finding the First ROI</a:t>
             </a:r>
             <a:endParaRPr lang="en-IE" dirty="0"/>
           </a:p>
@@ -3822,7 +3968,7 @@
           </p:nvPr>
         </p:nvPicPr>
         <p:blipFill>
-          <a:blip r:embed="rId2"/>
+          <a:blip r:embed="rId2" cstate="print"/>
           <a:srcRect l="25726" t="20519" b="40021"/>
           <a:stretch>
             <a:fillRect/>
@@ -3843,8 +3989,8 @@
         </p:nvSpPr>
         <p:spPr>
           <a:xfrm>
-            <a:off x="1643042" y="3857628"/>
-            <a:ext cx="6143668" cy="646331"/>
+            <a:off x="755576" y="3573016"/>
+            <a:ext cx="7416824" cy="3046988"/>
           </a:xfrm>
           <a:prstGeom prst="rect">
             <a:avLst/>
@@ -3857,13 +4003,19 @@
           </a:bodyPr>
           <a:lstStyle/>
           <a:p>
+            <a:r>
+              <a:rPr lang="en-GB" sz="2400" b="1" dirty="0" smtClean="0"/>
+              <a:t>Attempts:</a:t>
+            </a:r>
+          </a:p>
+          <a:p>
             <a:pPr>
               <a:buFont typeface="Arial" pitchFamily="34" charset="0"/>
               <a:buChar char="•"/>
             </a:pPr>
             <a:r>
-              <a:rPr lang="en-GB" dirty="0" smtClean="0"/>
-              <a:t>Using the inrange function to find the red and yellow areas</a:t>
+              <a:rPr lang="en-GB" sz="2400" dirty="0" smtClean="0"/>
+              <a:t>Edge Detection picked up every edge.</a:t>
             </a:r>
           </a:p>
           <a:p>
@@ -3871,7 +4023,45 @@
               <a:buFont typeface="Arial" pitchFamily="34" charset="0"/>
               <a:buChar char="•"/>
             </a:pPr>
-            <a:endParaRPr lang="en-GB" dirty="0" smtClean="0"/>
+            <a:r>
+              <a:rPr lang="en-GB" sz="2400" dirty="0" smtClean="0"/>
+              <a:t>Colour space conversions took away the sharpness of the colours</a:t>
+            </a:r>
+          </a:p>
+          <a:p>
+            <a:pPr>
+              <a:buFont typeface="Arial" pitchFamily="34" charset="0"/>
+              <a:buChar char="•"/>
+            </a:pPr>
+            <a:r>
+              <a:rPr lang="en-GB" sz="2400" dirty="0" smtClean="0"/>
+              <a:t>Contouring picked up every object in source image.</a:t>
+            </a:r>
+          </a:p>
+          <a:p>
+            <a:r>
+              <a:rPr lang="en-GB" sz="2400" b="1" dirty="0" smtClean="0"/>
+              <a:t>Success:</a:t>
+            </a:r>
+          </a:p>
+          <a:p>
+            <a:pPr>
+              <a:buFont typeface="Arial" pitchFamily="34" charset="0"/>
+              <a:buChar char="•"/>
+            </a:pPr>
+            <a:r>
+              <a:rPr lang="en-GB" sz="2400" dirty="0" smtClean="0"/>
+              <a:t>Using </a:t>
+            </a:r>
+            <a:r>
+              <a:rPr lang="en-GB" sz="2400" dirty="0" smtClean="0"/>
+              <a:t>the inrange function to find the red and yellow </a:t>
+            </a:r>
+            <a:r>
+              <a:rPr lang="en-GB" sz="2400" dirty="0" smtClean="0"/>
+              <a:t>areas</a:t>
+            </a:r>
+            <a:endParaRPr lang="en-GB" sz="2400" dirty="0" smtClean="0"/>
           </a:p>
         </p:txBody>
       </p:sp>
@@ -3924,11 +4114,7 @@
           <a:p>
             <a:r>
               <a:rPr lang="en-GB" dirty="0" smtClean="0"/>
-              <a:t>Cropping </a:t>
-            </a:r>
-            <a:r>
-              <a:rPr lang="en-GB" dirty="0" smtClean="0"/>
-              <a:t>and contouring</a:t>
+              <a:t>Cropping and contouring</a:t>
             </a:r>
             <a:endParaRPr lang="en-IE" dirty="0"/>
           </a:p>
@@ -3945,7 +4131,7 @@
           </p:nvPr>
         </p:nvPicPr>
         <p:blipFill>
-          <a:blip r:embed="rId2"/>
+          <a:blip r:embed="rId2" cstate="print"/>
           <a:stretch>
             <a:fillRect/>
           </a:stretch>
@@ -3959,14 +4145,14 @@
       </p:pic>
       <p:sp>
         <p:nvSpPr>
-          <p:cNvPr id="6" name="TextBox 5"/>
+          <p:cNvPr id="7" name="TextBox 6"/>
           <p:cNvSpPr txBox="1"/>
           <p:nvPr/>
         </p:nvSpPr>
         <p:spPr>
           <a:xfrm>
-            <a:off x="571472" y="3786190"/>
-            <a:ext cx="8143932" cy="1754326"/>
+            <a:off x="467544" y="3933056"/>
+            <a:ext cx="8280920" cy="2308324"/>
           </a:xfrm>
           <a:prstGeom prst="rect">
             <a:avLst/>
@@ -3984,8 +4170,8 @@
               <a:buChar char="•"/>
             </a:pPr>
             <a:r>
-              <a:rPr lang="en-IE" dirty="0" smtClean="0"/>
-              <a:t>G</a:t>
+              <a:rPr lang="en-IE" sz="2400" dirty="0" smtClean="0"/>
+              <a:t>After finding the first ROI, contouring was used to find all the contour in the image</a:t>
             </a:r>
           </a:p>
           <a:p>
@@ -3994,8 +4180,8 @@
               <a:buChar char="•"/>
             </a:pPr>
             <a:r>
-              <a:rPr lang="en-IE" dirty="0" smtClean="0"/>
-              <a:t>G</a:t>
+              <a:rPr lang="en-IE" sz="2400" dirty="0" smtClean="0"/>
+              <a:t>The largest of these contours was then cropped.</a:t>
             </a:r>
           </a:p>
           <a:p>
@@ -4004,8 +4190,8 @@
               <a:buChar char="•"/>
             </a:pPr>
             <a:r>
-              <a:rPr lang="en-IE" dirty="0" smtClean="0"/>
-              <a:t>G</a:t>
+              <a:rPr lang="en-IE" sz="2400" dirty="0" smtClean="0"/>
+              <a:t>Searched for the red pointer.</a:t>
             </a:r>
           </a:p>
           <a:p>
@@ -4014,26 +4200,14 @@
               <a:buChar char="•"/>
             </a:pPr>
             <a:r>
-              <a:rPr lang="en-IE" dirty="0" smtClean="0"/>
-              <a:t>G</a:t>
-            </a:r>
-          </a:p>
-          <a:p>
-            <a:pPr>
-              <a:buFont typeface="Arial" pitchFamily="34" charset="0"/>
-              <a:buChar char="•"/>
-            </a:pPr>
-            <a:r>
-              <a:rPr lang="en-IE" dirty="0" smtClean="0"/>
-              <a:t>G</a:t>
-            </a:r>
-          </a:p>
-          <a:p>
-            <a:pPr>
-              <a:buFont typeface="Arial" pitchFamily="34" charset="0"/>
-              <a:buChar char="•"/>
-            </a:pPr>
-            <a:endParaRPr lang="en-US" dirty="0"/>
+              <a:rPr lang="en-IE" sz="2400" dirty="0" smtClean="0"/>
+              <a:t>C</a:t>
+            </a:r>
+            <a:r>
+              <a:rPr lang="en-IE" sz="2400" dirty="0" smtClean="0"/>
+              <a:t>ropped the area around the rd pointer and displayed it to the user. </a:t>
+            </a:r>
+            <a:endParaRPr lang="en-IE" sz="2400" dirty="0"/>
           </a:p>
         </p:txBody>
       </p:sp>
@@ -4133,7 +4307,7 @@
     </p:spTree>
     <p:extLst>
       <p:ext uri="{BB962C8B-B14F-4D97-AF65-F5344CB8AC3E}">
-        <p14:creationId xmlns:p14="http://schemas.microsoft.com/office/powerpoint/2010/main" xmlns="" val="1166896692"/>
+        <p14:creationId xmlns="" xmlns:p14="http://schemas.microsoft.com/office/powerpoint/2010/main" val="1166896692"/>
       </p:ext>
     </p:extLst>
   </p:cSld>
@@ -4196,10 +4370,10 @@
           </p:nvPr>
         </p:nvPicPr>
         <p:blipFill>
-          <a:blip r:embed="rId2">
+          <a:blip r:embed="rId2" cstate="print">
             <a:extLst>
               <a:ext uri="{28A0092B-C50C-407E-A947-70E740481C1C}">
-                <a14:useLocalDpi xmlns:a14="http://schemas.microsoft.com/office/drawing/2010/main" xmlns="" val="0"/>
+                <a14:useLocalDpi xmlns="" xmlns:a14="http://schemas.microsoft.com/office/drawing/2010/main" val="0"/>
               </a:ext>
             </a:extLst>
           </a:blip>
@@ -4223,10 +4397,10 @@
           <p:nvPr/>
         </p:nvPicPr>
         <p:blipFill>
-          <a:blip r:embed="rId3">
+          <a:blip r:embed="rId3" cstate="print">
             <a:extLst>
               <a:ext uri="{28A0092B-C50C-407E-A947-70E740481C1C}">
-                <a14:useLocalDpi xmlns:a14="http://schemas.microsoft.com/office/drawing/2010/main" xmlns="" val="0"/>
+                <a14:useLocalDpi xmlns="" xmlns:a14="http://schemas.microsoft.com/office/drawing/2010/main" val="0"/>
               </a:ext>
             </a:extLst>
           </a:blip>
@@ -4247,7 +4421,7 @@
     </p:spTree>
     <p:extLst>
       <p:ext uri="{BB962C8B-B14F-4D97-AF65-F5344CB8AC3E}">
-        <p14:creationId xmlns:p14="http://schemas.microsoft.com/office/powerpoint/2010/main" xmlns="" val="2542394692"/>
+        <p14:creationId xmlns="" xmlns:p14="http://schemas.microsoft.com/office/powerpoint/2010/main" val="2542394692"/>
       </p:ext>
     </p:extLst>
   </p:cSld>
